--- a/Presentations/Conferences etc/NIBES 2024/NIBES_2024.pptx
+++ b/Presentations/Conferences etc/NIBES 2024/NIBES_2024.pptx
@@ -126,7 +126,7 @@
 <file path=ppt/revisionInfo.xml><?xml version="1.0" encoding="utf-8"?>
 <p1510:revInfo xmlns:a="http://schemas.openxmlformats.org/drawingml/2006/main" xmlns:r="http://schemas.openxmlformats.org/officeDocument/2006/relationships" xmlns:p1510="http://schemas.microsoft.com/office/powerpoint/2015/10/main">
   <p1510:revLst>
-    <p1510:client id="{0D302760-EC51-4DF5-993C-E7AD6764AD52}" v="1" dt="2024-05-01T16:54:20.647"/>
+    <p1510:client id="{0D302760-EC51-4DF5-993C-E7AD6764AD52}" v="41" dt="2024-05-04T22:56:20.075"/>
   </p1510:revLst>
 </p1510:revInfo>
 </file>
@@ -3995,8 +3995,8 @@
   </pc:docChgLst>
   <pc:docChgLst>
     <pc:chgData name="Sean O Fithcheallaigh" userId="47659c31-a575-4792-8be3-61268c4ee0d6" providerId="ADAL" clId="{0D302760-EC51-4DF5-993C-E7AD6764AD52}"/>
-    <pc:docChg chg="custSel addSld delSld modSld modMainMaster">
-      <pc:chgData name="Sean O Fithcheallaigh" userId="47659c31-a575-4792-8be3-61268c4ee0d6" providerId="ADAL" clId="{0D302760-EC51-4DF5-993C-E7AD6764AD52}" dt="2024-05-01T16:55:39.579" v="123" actId="14100"/>
+    <pc:docChg chg="undo custSel addSld delSld modSld modMainMaster">
+      <pc:chgData name="Sean O Fithcheallaigh" userId="47659c31-a575-4792-8be3-61268c4ee0d6" providerId="ADAL" clId="{0D302760-EC51-4DF5-993C-E7AD6764AD52}" dt="2024-05-04T22:56:20.075" v="396"/>
       <pc:docMkLst>
         <pc:docMk/>
       </pc:docMkLst>
@@ -4054,12 +4054,20 @@
           </ac:spMkLst>
         </pc:spChg>
       </pc:sldChg>
-      <pc:sldChg chg="addSp delSp modSp new mod modClrScheme chgLayout">
-        <pc:chgData name="Sean O Fithcheallaigh" userId="47659c31-a575-4792-8be3-61268c4ee0d6" providerId="ADAL" clId="{0D302760-EC51-4DF5-993C-E7AD6764AD52}" dt="2024-05-01T16:55:10.470" v="120" actId="700"/>
+      <pc:sldChg chg="addSp delSp modSp new mod modClrScheme addAnim delAnim modAnim chgLayout">
+        <pc:chgData name="Sean O Fithcheallaigh" userId="47659c31-a575-4792-8be3-61268c4ee0d6" providerId="ADAL" clId="{0D302760-EC51-4DF5-993C-E7AD6764AD52}" dt="2024-05-04T22:56:20.075" v="396"/>
         <pc:sldMkLst>
           <pc:docMk/>
           <pc:sldMk cId="2886711750" sldId="272"/>
         </pc:sldMkLst>
+        <pc:spChg chg="add del mod ord">
+          <ac:chgData name="Sean O Fithcheallaigh" userId="47659c31-a575-4792-8be3-61268c4ee0d6" providerId="ADAL" clId="{0D302760-EC51-4DF5-993C-E7AD6764AD52}" dt="2024-05-04T21:01:35.054" v="127"/>
+          <ac:spMkLst>
+            <pc:docMk/>
+            <pc:sldMk cId="2886711750" sldId="272"/>
+            <ac:spMk id="2" creationId="{3D0BF95E-A987-80B6-0F6A-D4A73B00B20D}"/>
+          </ac:spMkLst>
+        </pc:spChg>
         <pc:spChg chg="del mod ord">
           <ac:chgData name="Sean O Fithcheallaigh" userId="47659c31-a575-4792-8be3-61268c4ee0d6" providerId="ADAL" clId="{0D302760-EC51-4DF5-993C-E7AD6764AD52}" dt="2024-05-01T16:50:19.777" v="97" actId="700"/>
           <ac:spMkLst>
@@ -4077,7 +4085,7 @@
           </ac:spMkLst>
         </pc:spChg>
         <pc:spChg chg="mod ord">
-          <ac:chgData name="Sean O Fithcheallaigh" userId="47659c31-a575-4792-8be3-61268c4ee0d6" providerId="ADAL" clId="{0D302760-EC51-4DF5-993C-E7AD6764AD52}" dt="2024-05-01T16:55:10.470" v="120" actId="700"/>
+          <ac:chgData name="Sean O Fithcheallaigh" userId="47659c31-a575-4792-8be3-61268c4ee0d6" providerId="ADAL" clId="{0D302760-EC51-4DF5-993C-E7AD6764AD52}" dt="2024-05-04T22:05:39.716" v="209" actId="6264"/>
           <ac:spMkLst>
             <pc:docMk/>
             <pc:sldMk cId="2886711750" sldId="272"/>
@@ -4085,7 +4093,7 @@
           </ac:spMkLst>
         </pc:spChg>
         <pc:spChg chg="add mod ord">
-          <ac:chgData name="Sean O Fithcheallaigh" userId="47659c31-a575-4792-8be3-61268c4ee0d6" providerId="ADAL" clId="{0D302760-EC51-4DF5-993C-E7AD6764AD52}" dt="2024-05-01T16:55:10.470" v="120" actId="700"/>
+          <ac:chgData name="Sean O Fithcheallaigh" userId="47659c31-a575-4792-8be3-61268c4ee0d6" providerId="ADAL" clId="{0D302760-EC51-4DF5-993C-E7AD6764AD52}" dt="2024-05-04T22:05:39.716" v="209" actId="6264"/>
           <ac:spMkLst>
             <pc:docMk/>
             <pc:sldMk cId="2886711750" sldId="272"/>
@@ -4100,22 +4108,246 @@
             <ac:spMk id="6" creationId="{3E5837F0-B437-A175-D98F-E6FE07424249}"/>
           </ac:spMkLst>
         </pc:spChg>
-        <pc:spChg chg="add mod ord">
-          <ac:chgData name="Sean O Fithcheallaigh" userId="47659c31-a575-4792-8be3-61268c4ee0d6" providerId="ADAL" clId="{0D302760-EC51-4DF5-993C-E7AD6764AD52}" dt="2024-05-01T16:55:10.470" v="120" actId="700"/>
+        <pc:spChg chg="add del mod ord">
+          <ac:chgData name="Sean O Fithcheallaigh" userId="47659c31-a575-4792-8be3-61268c4ee0d6" providerId="ADAL" clId="{0D302760-EC51-4DF5-993C-E7AD6764AD52}" dt="2024-05-04T20:56:58.519" v="124" actId="700"/>
           <ac:spMkLst>
             <pc:docMk/>
             <pc:sldMk cId="2886711750" sldId="272"/>
             <ac:spMk id="7" creationId="{152A9884-F34C-1426-4AB8-8535926CB08C}"/>
           </ac:spMkLst>
         </pc:spChg>
-        <pc:spChg chg="add mod ord">
-          <ac:chgData name="Sean O Fithcheallaigh" userId="47659c31-a575-4792-8be3-61268c4ee0d6" providerId="ADAL" clId="{0D302760-EC51-4DF5-993C-E7AD6764AD52}" dt="2024-05-01T16:55:10.470" v="120" actId="700"/>
+        <pc:spChg chg="add del mod ord">
+          <ac:chgData name="Sean O Fithcheallaigh" userId="47659c31-a575-4792-8be3-61268c4ee0d6" providerId="ADAL" clId="{0D302760-EC51-4DF5-993C-E7AD6764AD52}" dt="2024-05-04T20:56:58.519" v="124" actId="700"/>
           <ac:spMkLst>
             <pc:docMk/>
             <pc:sldMk cId="2886711750" sldId="272"/>
             <ac:spMk id="8" creationId="{F30B992C-DD92-C180-7850-ABE0B03A9F57}"/>
           </ac:spMkLst>
         </pc:spChg>
+        <pc:spChg chg="add del mod">
+          <ac:chgData name="Sean O Fithcheallaigh" userId="47659c31-a575-4792-8be3-61268c4ee0d6" providerId="ADAL" clId="{0D302760-EC51-4DF5-993C-E7AD6764AD52}" dt="2024-05-04T21:11:14.462" v="143"/>
+          <ac:spMkLst>
+            <pc:docMk/>
+            <pc:sldMk cId="2886711750" sldId="272"/>
+            <ac:spMk id="12" creationId="{DFCB34B1-CE90-E82C-95F5-7F2D3A70EC83}"/>
+          </ac:spMkLst>
+        </pc:spChg>
+        <pc:spChg chg="add del mod">
+          <ac:chgData name="Sean O Fithcheallaigh" userId="47659c31-a575-4792-8be3-61268c4ee0d6" providerId="ADAL" clId="{0D302760-EC51-4DF5-993C-E7AD6764AD52}" dt="2024-05-04T21:12:56.726" v="158" actId="931"/>
+          <ac:spMkLst>
+            <pc:docMk/>
+            <pc:sldMk cId="2886711750" sldId="272"/>
+            <ac:spMk id="18" creationId="{E69928F7-014E-935E-70A8-DDE588DA24D8}"/>
+          </ac:spMkLst>
+        </pc:spChg>
+        <pc:spChg chg="add del mod">
+          <ac:chgData name="Sean O Fithcheallaigh" userId="47659c31-a575-4792-8be3-61268c4ee0d6" providerId="ADAL" clId="{0D302760-EC51-4DF5-993C-E7AD6764AD52}" dt="2024-05-04T21:53:36.570" v="176" actId="931"/>
+          <ac:spMkLst>
+            <pc:docMk/>
+            <pc:sldMk cId="2886711750" sldId="272"/>
+            <ac:spMk id="24" creationId="{A5032C6B-007A-8E2B-DEB6-747274DC2363}"/>
+          </ac:spMkLst>
+        </pc:spChg>
+        <pc:spChg chg="add del mod">
+          <ac:chgData name="Sean O Fithcheallaigh" userId="47659c31-a575-4792-8be3-61268c4ee0d6" providerId="ADAL" clId="{0D302760-EC51-4DF5-993C-E7AD6764AD52}" dt="2024-05-04T22:05:38.324" v="208" actId="6264"/>
+          <ac:spMkLst>
+            <pc:docMk/>
+            <pc:sldMk cId="2886711750" sldId="272"/>
+            <ac:spMk id="31" creationId="{A7315DC5-00CA-18BE-5816-BFE38CB915CF}"/>
+          </ac:spMkLst>
+        </pc:spChg>
+        <pc:spChg chg="add del mod">
+          <ac:chgData name="Sean O Fithcheallaigh" userId="47659c31-a575-4792-8be3-61268c4ee0d6" providerId="ADAL" clId="{0D302760-EC51-4DF5-993C-E7AD6764AD52}" dt="2024-05-04T22:05:38.324" v="208" actId="6264"/>
+          <ac:spMkLst>
+            <pc:docMk/>
+            <pc:sldMk cId="2886711750" sldId="272"/>
+            <ac:spMk id="32" creationId="{05082915-F800-CD19-0D96-4A6654FA175D}"/>
+          </ac:spMkLst>
+        </pc:spChg>
+        <pc:spChg chg="add del mod">
+          <ac:chgData name="Sean O Fithcheallaigh" userId="47659c31-a575-4792-8be3-61268c4ee0d6" providerId="ADAL" clId="{0D302760-EC51-4DF5-993C-E7AD6764AD52}" dt="2024-05-04T22:05:38.324" v="208" actId="6264"/>
+          <ac:spMkLst>
+            <pc:docMk/>
+            <pc:sldMk cId="2886711750" sldId="272"/>
+            <ac:spMk id="33" creationId="{1DBB8776-DBBE-B1B1-7731-CB9303A0880E}"/>
+          </ac:spMkLst>
+        </pc:spChg>
+        <pc:spChg chg="add del mod">
+          <ac:chgData name="Sean O Fithcheallaigh" userId="47659c31-a575-4792-8be3-61268c4ee0d6" providerId="ADAL" clId="{0D302760-EC51-4DF5-993C-E7AD6764AD52}" dt="2024-05-04T22:05:39.716" v="209" actId="6264"/>
+          <ac:spMkLst>
+            <pc:docMk/>
+            <pc:sldMk cId="2886711750" sldId="272"/>
+            <ac:spMk id="34" creationId="{2BADE41D-6CFB-0A30-D3A1-056E568FA105}"/>
+          </ac:spMkLst>
+        </pc:spChg>
+        <pc:spChg chg="add del mod">
+          <ac:chgData name="Sean O Fithcheallaigh" userId="47659c31-a575-4792-8be3-61268c4ee0d6" providerId="ADAL" clId="{0D302760-EC51-4DF5-993C-E7AD6764AD52}" dt="2024-05-04T22:05:39.716" v="209" actId="6264"/>
+          <ac:spMkLst>
+            <pc:docMk/>
+            <pc:sldMk cId="2886711750" sldId="272"/>
+            <ac:spMk id="35" creationId="{A1C52C54-885A-8EFD-8198-D0307CA6A0FC}"/>
+          </ac:spMkLst>
+        </pc:spChg>
+        <pc:spChg chg="add del mod">
+          <ac:chgData name="Sean O Fithcheallaigh" userId="47659c31-a575-4792-8be3-61268c4ee0d6" providerId="ADAL" clId="{0D302760-EC51-4DF5-993C-E7AD6764AD52}" dt="2024-05-04T22:05:39.716" v="209" actId="6264"/>
+          <ac:spMkLst>
+            <pc:docMk/>
+            <pc:sldMk cId="2886711750" sldId="272"/>
+            <ac:spMk id="36" creationId="{91AD00EA-B0B7-0572-4F06-42D7E8501C79}"/>
+          </ac:spMkLst>
+        </pc:spChg>
+        <pc:spChg chg="add del mod">
+          <ac:chgData name="Sean O Fithcheallaigh" userId="47659c31-a575-4792-8be3-61268c4ee0d6" providerId="ADAL" clId="{0D302760-EC51-4DF5-993C-E7AD6764AD52}" dt="2024-05-04T22:18:41.239" v="247" actId="478"/>
+          <ac:spMkLst>
+            <pc:docMk/>
+            <pc:sldMk cId="2886711750" sldId="272"/>
+            <ac:spMk id="42" creationId="{3D0FB3CA-DCCF-C650-1F97-5F392CD109F9}"/>
+          </ac:spMkLst>
+        </pc:spChg>
+        <pc:spChg chg="add del mod">
+          <ac:chgData name="Sean O Fithcheallaigh" userId="47659c31-a575-4792-8be3-61268c4ee0d6" providerId="ADAL" clId="{0D302760-EC51-4DF5-993C-E7AD6764AD52}" dt="2024-05-04T22:22:33.382" v="366" actId="478"/>
+          <ac:spMkLst>
+            <pc:docMk/>
+            <pc:sldMk cId="2886711750" sldId="272"/>
+            <ac:spMk id="43" creationId="{579A3362-0D3C-1A67-5D19-0B86F194B89E}"/>
+          </ac:spMkLst>
+        </pc:spChg>
+        <pc:spChg chg="add del mod">
+          <ac:chgData name="Sean O Fithcheallaigh" userId="47659c31-a575-4792-8be3-61268c4ee0d6" providerId="ADAL" clId="{0D302760-EC51-4DF5-993C-E7AD6764AD52}" dt="2024-05-04T22:22:31.310" v="365" actId="478"/>
+          <ac:spMkLst>
+            <pc:docMk/>
+            <pc:sldMk cId="2886711750" sldId="272"/>
+            <ac:spMk id="47" creationId="{C15A173D-0B43-C7F3-B035-7E8DCF612621}"/>
+          </ac:spMkLst>
+        </pc:spChg>
+        <pc:picChg chg="add del mod modCrop">
+          <ac:chgData name="Sean O Fithcheallaigh" userId="47659c31-a575-4792-8be3-61268c4ee0d6" providerId="ADAL" clId="{0D302760-EC51-4DF5-993C-E7AD6764AD52}" dt="2024-05-04T21:11:11.233" v="142" actId="478"/>
+          <ac:picMkLst>
+            <pc:docMk/>
+            <pc:sldMk cId="2886711750" sldId="272"/>
+            <ac:picMk id="6" creationId="{C39F1267-7E29-6821-CB66-D655BAB3560D}"/>
+          </ac:picMkLst>
+        </pc:picChg>
+        <pc:picChg chg="add del mod modCrop">
+          <ac:chgData name="Sean O Fithcheallaigh" userId="47659c31-a575-4792-8be3-61268c4ee0d6" providerId="ADAL" clId="{0D302760-EC51-4DF5-993C-E7AD6764AD52}" dt="2024-05-04T21:11:10.280" v="141" actId="478"/>
+          <ac:picMkLst>
+            <pc:docMk/>
+            <pc:sldMk cId="2886711750" sldId="272"/>
+            <ac:picMk id="10" creationId="{F12D5AE7-296E-E426-1F6D-AF147E3B957B}"/>
+          </ac:picMkLst>
+        </pc:picChg>
+        <pc:picChg chg="add del mod">
+          <ac:chgData name="Sean O Fithcheallaigh" userId="47659c31-a575-4792-8be3-61268c4ee0d6" providerId="ADAL" clId="{0D302760-EC51-4DF5-993C-E7AD6764AD52}" dt="2024-05-04T21:12:28.654" v="157" actId="478"/>
+          <ac:picMkLst>
+            <pc:docMk/>
+            <pc:sldMk cId="2886711750" sldId="272"/>
+            <ac:picMk id="14" creationId="{25ACBF94-2159-0EE8-E029-0208A038667B}"/>
+          </ac:picMkLst>
+        </pc:picChg>
+        <pc:picChg chg="add del mod">
+          <ac:chgData name="Sean O Fithcheallaigh" userId="47659c31-a575-4792-8be3-61268c4ee0d6" providerId="ADAL" clId="{0D302760-EC51-4DF5-993C-E7AD6764AD52}" dt="2024-05-04T21:12:26.868" v="156" actId="478"/>
+          <ac:picMkLst>
+            <pc:docMk/>
+            <pc:sldMk cId="2886711750" sldId="272"/>
+            <ac:picMk id="16" creationId="{9EB48C8A-CE2B-A91D-090A-3A98B36582E5}"/>
+          </ac:picMkLst>
+        </pc:picChg>
+        <pc:picChg chg="add del mod">
+          <ac:chgData name="Sean O Fithcheallaigh" userId="47659c31-a575-4792-8be3-61268c4ee0d6" providerId="ADAL" clId="{0D302760-EC51-4DF5-993C-E7AD6764AD52}" dt="2024-05-04T21:16:18.859" v="175" actId="478"/>
+          <ac:picMkLst>
+            <pc:docMk/>
+            <pc:sldMk cId="2886711750" sldId="272"/>
+            <ac:picMk id="20" creationId="{91313249-B837-441E-DAD3-90C4AE6A614A}"/>
+          </ac:picMkLst>
+        </pc:picChg>
+        <pc:picChg chg="add del mod">
+          <ac:chgData name="Sean O Fithcheallaigh" userId="47659c31-a575-4792-8be3-61268c4ee0d6" providerId="ADAL" clId="{0D302760-EC51-4DF5-993C-E7AD6764AD52}" dt="2024-05-04T21:16:17.886" v="173" actId="478"/>
+          <ac:picMkLst>
+            <pc:docMk/>
+            <pc:sldMk cId="2886711750" sldId="272"/>
+            <ac:picMk id="22" creationId="{7E7A3407-2A8C-F9CE-A060-227E97FEDFB7}"/>
+          </ac:picMkLst>
+        </pc:picChg>
+        <pc:picChg chg="add del mod ord">
+          <ac:chgData name="Sean O Fithcheallaigh" userId="47659c31-a575-4792-8be3-61268c4ee0d6" providerId="ADAL" clId="{0D302760-EC51-4DF5-993C-E7AD6764AD52}" dt="2024-05-04T22:22:28.862" v="364" actId="478"/>
+          <ac:picMkLst>
+            <pc:docMk/>
+            <pc:sldMk cId="2886711750" sldId="272"/>
+            <ac:picMk id="26" creationId="{4C986972-353D-3E9D-5160-C05D3761AD87}"/>
+          </ac:picMkLst>
+        </pc:picChg>
+        <pc:picChg chg="add del mod">
+          <ac:chgData name="Sean O Fithcheallaigh" userId="47659c31-a575-4792-8be3-61268c4ee0d6" providerId="ADAL" clId="{0D302760-EC51-4DF5-993C-E7AD6764AD52}" dt="2024-05-04T22:04:50.036" v="207" actId="478"/>
+          <ac:picMkLst>
+            <pc:docMk/>
+            <pc:sldMk cId="2886711750" sldId="272"/>
+            <ac:picMk id="28" creationId="{55ED31C0-38A2-AA08-5A51-09B8D376ABBF}"/>
+          </ac:picMkLst>
+        </pc:picChg>
+        <pc:picChg chg="add del mod">
+          <ac:chgData name="Sean O Fithcheallaigh" userId="47659c31-a575-4792-8be3-61268c4ee0d6" providerId="ADAL" clId="{0D302760-EC51-4DF5-993C-E7AD6764AD52}" dt="2024-05-04T22:04:45.758" v="206" actId="478"/>
+          <ac:picMkLst>
+            <pc:docMk/>
+            <pc:sldMk cId="2886711750" sldId="272"/>
+            <ac:picMk id="30" creationId="{79D44361-19FF-ED24-C224-209064CFB37D}"/>
+          </ac:picMkLst>
+        </pc:picChg>
+        <pc:picChg chg="add del mod">
+          <ac:chgData name="Sean O Fithcheallaigh" userId="47659c31-a575-4792-8be3-61268c4ee0d6" providerId="ADAL" clId="{0D302760-EC51-4DF5-993C-E7AD6764AD52}" dt="2024-05-04T22:17:24.710" v="237" actId="478"/>
+          <ac:picMkLst>
+            <pc:docMk/>
+            <pc:sldMk cId="2886711750" sldId="272"/>
+            <ac:picMk id="38" creationId="{85131A10-1F7D-A469-05C1-6A921EB42CB1}"/>
+          </ac:picMkLst>
+        </pc:picChg>
+        <pc:picChg chg="add del mod">
+          <ac:chgData name="Sean O Fithcheallaigh" userId="47659c31-a575-4792-8be3-61268c4ee0d6" providerId="ADAL" clId="{0D302760-EC51-4DF5-993C-E7AD6764AD52}" dt="2024-05-04T22:18:34.142" v="245" actId="478"/>
+          <ac:picMkLst>
+            <pc:docMk/>
+            <pc:sldMk cId="2886711750" sldId="272"/>
+            <ac:picMk id="40" creationId="{AABC6201-C952-7073-BC29-BCD10285A7E3}"/>
+          </ac:picMkLst>
+        </pc:picChg>
+        <pc:picChg chg="add del mod">
+          <ac:chgData name="Sean O Fithcheallaigh" userId="47659c31-a575-4792-8be3-61268c4ee0d6" providerId="ADAL" clId="{0D302760-EC51-4DF5-993C-E7AD6764AD52}" dt="2024-05-04T22:22:27.830" v="363" actId="478"/>
+          <ac:picMkLst>
+            <pc:docMk/>
+            <pc:sldMk cId="2886711750" sldId="272"/>
+            <ac:picMk id="45" creationId="{25A44005-39C3-C878-8C54-5BB7B93D60DE}"/>
+          </ac:picMkLst>
+        </pc:picChg>
+        <pc:picChg chg="add mod">
+          <ac:chgData name="Sean O Fithcheallaigh" userId="47659c31-a575-4792-8be3-61268c4ee0d6" providerId="ADAL" clId="{0D302760-EC51-4DF5-993C-E7AD6764AD52}" dt="2024-05-04T22:39:26.599" v="372" actId="1076"/>
+          <ac:picMkLst>
+            <pc:docMk/>
+            <pc:sldMk cId="2886711750" sldId="272"/>
+            <ac:picMk id="49" creationId="{EF5F69AA-A63A-CBD2-9840-E449D72EC634}"/>
+          </ac:picMkLst>
+        </pc:picChg>
+        <pc:picChg chg="add del mod">
+          <ac:chgData name="Sean O Fithcheallaigh" userId="47659c31-a575-4792-8be3-61268c4ee0d6" providerId="ADAL" clId="{0D302760-EC51-4DF5-993C-E7AD6764AD52}" dt="2024-05-04T22:45:07.879" v="381" actId="478"/>
+          <ac:picMkLst>
+            <pc:docMk/>
+            <pc:sldMk cId="2886711750" sldId="272"/>
+            <ac:picMk id="51" creationId="{AAE6AA88-987E-89E5-9E94-EB55F606D2BB}"/>
+          </ac:picMkLst>
+        </pc:picChg>
+        <pc:picChg chg="add del mod">
+          <ac:chgData name="Sean O Fithcheallaigh" userId="47659c31-a575-4792-8be3-61268c4ee0d6" providerId="ADAL" clId="{0D302760-EC51-4DF5-993C-E7AD6764AD52}" dt="2024-05-04T22:55:45.251" v="389" actId="478"/>
+          <ac:picMkLst>
+            <pc:docMk/>
+            <pc:sldMk cId="2886711750" sldId="272"/>
+            <ac:picMk id="53" creationId="{8EFFA4FE-7239-005C-B104-B97EA0824A5B}"/>
+          </ac:picMkLst>
+        </pc:picChg>
+        <pc:picChg chg="add mod">
+          <ac:chgData name="Sean O Fithcheallaigh" userId="47659c31-a575-4792-8be3-61268c4ee0d6" providerId="ADAL" clId="{0D302760-EC51-4DF5-993C-E7AD6764AD52}" dt="2024-05-04T22:56:12.844" v="395" actId="1076"/>
+          <ac:picMkLst>
+            <pc:docMk/>
+            <pc:sldMk cId="2886711750" sldId="272"/>
+            <ac:picMk id="55" creationId="{6DDF110D-B576-7D9B-E323-1E4207B372EC}"/>
+          </ac:picMkLst>
+        </pc:picChg>
       </pc:sldChg>
       <pc:sldMasterChg chg="modSldLayout">
         <pc:chgData name="Sean O Fithcheallaigh" userId="47659c31-a575-4792-8be3-61268c4ee0d6" providerId="ADAL" clId="{0D302760-EC51-4DF5-993C-E7AD6764AD52}" dt="2024-05-01T16:55:39.579" v="123" actId="14100"/>
@@ -6294,7 +6526,7 @@
           <a:p>
             <a:fld id="{E9A43392-C767-4137-A1B4-E9A9DDFBDAD0}" type="datetimeFigureOut">
               <a:rPr lang="en-GB" smtClean="0"/>
-              <a:t>01/05/2024</a:t>
+              <a:t>04/05/2024</a:t>
             </a:fld>
             <a:endParaRPr lang="en-GB"/>
           </a:p>
@@ -6631,7 +6863,7 @@
           <a:p>
             <a:fld id="{0EDB833C-2112-4A5D-94B8-048B525E1C2A}" type="datetime1">
               <a:rPr lang="en-GB" smtClean="0"/>
-              <a:t>01/05/2024</a:t>
+              <a:t>04/05/2024</a:t>
             </a:fld>
             <a:endParaRPr lang="en-GB"/>
           </a:p>
@@ -7421,7 +7653,7 @@
           <a:p>
             <a:fld id="{F073B5F0-505B-45C0-9DC9-45409AEBFAF7}" type="datetime1">
               <a:rPr lang="en-GB" smtClean="0"/>
-              <a:t>01/05/2024</a:t>
+              <a:t>04/05/2024</a:t>
             </a:fld>
             <a:endParaRPr lang="en-GB"/>
           </a:p>
@@ -7638,7 +7870,7 @@
           <a:p>
             <a:fld id="{01F1516F-DBD7-48F6-AB03-E62917ED67AF}" type="datetime1">
               <a:rPr lang="en-GB" smtClean="0"/>
-              <a:t>01/05/2024</a:t>
+              <a:t>04/05/2024</a:t>
             </a:fld>
             <a:endParaRPr lang="en-GB"/>
           </a:p>
@@ -7942,7 +8174,7 @@
           <a:p>
             <a:fld id="{A7369E04-6BFB-4FA9-A0DA-B92513A014A4}" type="datetime1">
               <a:rPr lang="en-GB" smtClean="0"/>
-              <a:t>01/05/2024</a:t>
+              <a:t>04/05/2024</a:t>
             </a:fld>
             <a:endParaRPr lang="en-GB"/>
           </a:p>
@@ -8285,7 +8517,7 @@
           <a:p>
             <a:fld id="{B1507624-A8C7-451F-AA6C-F41CA746E78F}" type="datetime1">
               <a:rPr lang="en-GB" smtClean="0"/>
-              <a:t>01/05/2024</a:t>
+              <a:t>04/05/2024</a:t>
             </a:fld>
             <a:endParaRPr lang="en-GB"/>
           </a:p>
@@ -8564,7 +8796,7 @@
           <a:p>
             <a:fld id="{88E9D55D-69DC-4D39-A7A9-6A2CB0A4A7C3}" type="datetime1">
               <a:rPr lang="en-GB" smtClean="0"/>
-              <a:t>01/05/2024</a:t>
+              <a:t>04/05/2024</a:t>
             </a:fld>
             <a:endParaRPr lang="en-GB"/>
           </a:p>
@@ -8946,7 +9178,7 @@
           <a:p>
             <a:fld id="{C64B38AD-2F15-4BE5-AD80-B895FB89AFCA}" type="datetime1">
               <a:rPr lang="en-GB" smtClean="0"/>
-              <a:t>01/05/2024</a:t>
+              <a:t>04/05/2024</a:t>
             </a:fld>
             <a:endParaRPr lang="en-GB"/>
           </a:p>
@@ -9263,7 +9495,7 @@
           <a:p>
             <a:fld id="{D954CD11-AB0F-4C31-B0E2-70479CDD90CA}" type="datetime1">
               <a:rPr lang="en-GB" smtClean="0"/>
-              <a:t>01/05/2024</a:t>
+              <a:t>04/05/2024</a:t>
             </a:fld>
             <a:endParaRPr lang="en-GB"/>
           </a:p>
@@ -9682,7 +9914,7 @@
           <a:p>
             <a:fld id="{39724E80-1C91-49FB-8C33-C44EBFE375F3}" type="datetime1">
               <a:rPr lang="en-GB" smtClean="0"/>
-              <a:t>01/05/2024</a:t>
+              <a:t>04/05/2024</a:t>
             </a:fld>
             <a:endParaRPr lang="en-GB"/>
           </a:p>
@@ -9840,7 +10072,7 @@
           <a:p>
             <a:fld id="{E3160652-0335-4D10-866B-80725FB2DD73}" type="datetime1">
               <a:rPr lang="en-GB" smtClean="0"/>
-              <a:t>01/05/2024</a:t>
+              <a:t>04/05/2024</a:t>
             </a:fld>
             <a:endParaRPr lang="en-GB"/>
           </a:p>
@@ -10116,7 +10348,7 @@
           <a:p>
             <a:fld id="{97DE37E0-BCE1-4503-A874-44663480E668}" type="datetime1">
               <a:rPr lang="en-GB" smtClean="0"/>
-              <a:t>01/05/2024</a:t>
+              <a:t>04/05/2024</a:t>
             </a:fld>
             <a:endParaRPr lang="en-GB"/>
           </a:p>
@@ -10512,7 +10744,7 @@
           <a:p>
             <a:fld id="{F8569651-7BFA-471C-92F8-6D7128DF53DE}" type="datetime1">
               <a:rPr lang="en-GB" smtClean="0"/>
-              <a:t>01/05/2024</a:t>
+              <a:t>04/05/2024</a:t>
             </a:fld>
             <a:endParaRPr lang="en-GB"/>
           </a:p>
@@ -10872,7 +11104,7 @@
           <a:p>
             <a:fld id="{8EC4C998-08B5-46FE-92E2-BDC46698AC12}" type="datetime1">
               <a:rPr lang="en-GB" smtClean="0"/>
-              <a:t>01/05/2024</a:t>
+              <a:t>04/05/2024</a:t>
             </a:fld>
             <a:endParaRPr lang="en-GB"/>
           </a:p>
@@ -11537,6 +11769,49 @@
       </p:grpSpPr>
       <p:sp>
         <p:nvSpPr>
+          <p:cNvPr id="4" name="Slide Number Placeholder 3">
+            <a:extLst>
+              <a:ext uri="{FF2B5EF4-FFF2-40B4-BE49-F238E27FC236}">
+                <a16:creationId xmlns:a16="http://schemas.microsoft.com/office/drawing/2014/main" id="{E4360FC4-05DE-282A-BF77-77D75510BEFA}"/>
+              </a:ext>
+            </a:extLst>
+          </p:cNvPr>
+          <p:cNvSpPr>
+            <a:spLocks noGrp="1"/>
+          </p:cNvSpPr>
+          <p:nvPr>
+            <p:ph type="sldNum" sz="quarter" idx="12"/>
+          </p:nvPr>
+        </p:nvSpPr>
+        <p:spPr>
+          <a:xfrm>
+            <a:off x="9900458" y="6459785"/>
+            <a:ext cx="1312025" cy="365125"/>
+          </a:xfrm>
+        </p:spPr>
+        <p:txBody>
+          <a:bodyPr/>
+          <a:lstStyle/>
+          <a:p>
+            <a:r>
+              <a:rPr lang="en-GB"/>
+              <a:t>Slide </a:t>
+            </a:r>
+            <a:fld id="{D3726DCB-FEA5-4222-BB45-1CC90DF962E6}" type="slidenum">
+              <a:rPr lang="en-GB" smtClean="0"/>
+              <a:pPr/>
+              <a:t>2</a:t>
+            </a:fld>
+            <a:r>
+              <a:rPr lang="en-GB"/>
+              <a:t> of 8 </a:t>
+            </a:r>
+            <a:endParaRPr lang="en-GB" dirty="0"/>
+          </a:p>
+        </p:txBody>
+      </p:sp>
+      <p:sp>
+        <p:nvSpPr>
           <p:cNvPr id="5" name="Title 4">
             <a:extLst>
               <a:ext uri="{FF2B5EF4-FFF2-40B4-BE49-F238E27FC236}">
@@ -11551,7 +11826,12 @@
             <p:ph type="title"/>
           </p:nvPr>
         </p:nvSpPr>
-        <p:spPr/>
+        <p:spPr>
+          <a:xfrm>
+            <a:off x="1097280" y="286604"/>
+            <a:ext cx="10058400" cy="943855"/>
+          </a:xfrm>
+        </p:spPr>
         <p:txBody>
           <a:bodyPr/>
           <a:lstStyle/>
@@ -11564,94 +11844,78 @@
           </a:p>
         </p:txBody>
       </p:sp>
-      <p:sp>
-        <p:nvSpPr>
-          <p:cNvPr id="7" name="Content Placeholder 6">
+      <p:pic>
+        <p:nvPicPr>
+          <p:cNvPr id="49" name="Picture 48" descr="A screenshot of a computer&#10;&#10;Description automatically generated">
             <a:extLst>
               <a:ext uri="{FF2B5EF4-FFF2-40B4-BE49-F238E27FC236}">
-                <a16:creationId xmlns:a16="http://schemas.microsoft.com/office/drawing/2014/main" id="{152A9884-F34C-1426-4AB8-8535926CB08C}"/>
+                <a16:creationId xmlns:a16="http://schemas.microsoft.com/office/drawing/2014/main" id="{EF5F69AA-A63A-CBD2-9840-E449D72EC634}"/>
               </a:ext>
             </a:extLst>
           </p:cNvPr>
-          <p:cNvSpPr>
-            <a:spLocks noGrp="1"/>
-          </p:cNvSpPr>
-          <p:nvPr>
-            <p:ph sz="half" idx="1"/>
-          </p:nvPr>
-        </p:nvSpPr>
-        <p:spPr/>
-        <p:txBody>
-          <a:bodyPr/>
-          <a:lstStyle/>
-          <a:p>
-            <a:endParaRPr lang="en-GB"/>
-          </a:p>
-        </p:txBody>
-      </p:sp>
-      <p:sp>
-        <p:nvSpPr>
-          <p:cNvPr id="8" name="Content Placeholder 7">
+          <p:cNvPicPr>
+            <a:picLocks noChangeAspect="1"/>
+          </p:cNvPicPr>
+          <p:nvPr/>
+        </p:nvPicPr>
+        <p:blipFill>
+          <a:blip r:embed="rId2">
+            <a:extLst>
+              <a:ext uri="{28A0092B-C50C-407E-A947-70E740481C1C}">
+                <a14:useLocalDpi xmlns:a14="http://schemas.microsoft.com/office/drawing/2010/main" val="0"/>
+              </a:ext>
+            </a:extLst>
+          </a:blip>
+          <a:stretch>
+            <a:fillRect/>
+          </a:stretch>
+        </p:blipFill>
+        <p:spPr>
+          <a:xfrm>
+            <a:off x="2152800" y="1396800"/>
+            <a:ext cx="7948800" cy="4471200"/>
+          </a:xfrm>
+          <a:prstGeom prst="rect">
+            <a:avLst/>
+          </a:prstGeom>
+        </p:spPr>
+      </p:pic>
+      <p:pic>
+        <p:nvPicPr>
+          <p:cNvPr id="55" name="Picture 54" descr="A diagram of a building&#10;&#10;Description automatically generated">
             <a:extLst>
               <a:ext uri="{FF2B5EF4-FFF2-40B4-BE49-F238E27FC236}">
-                <a16:creationId xmlns:a16="http://schemas.microsoft.com/office/drawing/2014/main" id="{F30B992C-DD92-C180-7850-ABE0B03A9F57}"/>
+                <a16:creationId xmlns:a16="http://schemas.microsoft.com/office/drawing/2014/main" id="{6DDF110D-B576-7D9B-E323-1E4207B372EC}"/>
               </a:ext>
             </a:extLst>
           </p:cNvPr>
-          <p:cNvSpPr>
-            <a:spLocks noGrp="1"/>
-          </p:cNvSpPr>
-          <p:nvPr>
-            <p:ph sz="half" idx="2"/>
-          </p:nvPr>
-        </p:nvSpPr>
-        <p:spPr/>
-        <p:txBody>
-          <a:bodyPr/>
-          <a:lstStyle/>
-          <a:p>
-            <a:endParaRPr lang="en-GB"/>
-          </a:p>
-        </p:txBody>
-      </p:sp>
-      <p:sp>
-        <p:nvSpPr>
-          <p:cNvPr id="4" name="Slide Number Placeholder 3">
+          <p:cNvPicPr>
+            <a:picLocks noChangeAspect="1"/>
+          </p:cNvPicPr>
+          <p:nvPr/>
+        </p:nvPicPr>
+        <p:blipFill>
+          <a:blip r:embed="rId3">
             <a:extLst>
-              <a:ext uri="{FF2B5EF4-FFF2-40B4-BE49-F238E27FC236}">
-                <a16:creationId xmlns:a16="http://schemas.microsoft.com/office/drawing/2014/main" id="{E4360FC4-05DE-282A-BF77-77D75510BEFA}"/>
+              <a:ext uri="{28A0092B-C50C-407E-A947-70E740481C1C}">
+                <a14:useLocalDpi xmlns:a14="http://schemas.microsoft.com/office/drawing/2010/main" val="0"/>
               </a:ext>
             </a:extLst>
-          </p:cNvPr>
-          <p:cNvSpPr>
-            <a:spLocks noGrp="1"/>
-          </p:cNvSpPr>
-          <p:nvPr>
-            <p:ph type="sldNum" sz="quarter" idx="12"/>
-          </p:nvPr>
-        </p:nvSpPr>
-        <p:spPr/>
-        <p:txBody>
-          <a:bodyPr/>
-          <a:lstStyle/>
-          <a:p>
-            <a:r>
-              <a:rPr lang="en-GB"/>
-              <a:t>Slide </a:t>
-            </a:r>
-            <a:fld id="{D3726DCB-FEA5-4222-BB45-1CC90DF962E6}" type="slidenum">
-              <a:rPr lang="en-GB" smtClean="0"/>
-              <a:pPr/>
-              <a:t>2</a:t>
-            </a:fld>
-            <a:r>
-              <a:rPr lang="en-GB"/>
-              <a:t> of 8 </a:t>
-            </a:r>
-            <a:endParaRPr lang="en-GB" dirty="0"/>
-          </a:p>
-        </p:txBody>
-      </p:sp>
+          </a:blip>
+          <a:stretch>
+            <a:fillRect/>
+          </a:stretch>
+        </p:blipFill>
+        <p:spPr>
+          <a:xfrm>
+            <a:off x="2152800" y="1396800"/>
+            <a:ext cx="7948800" cy="4471200"/>
+          </a:xfrm>
+          <a:prstGeom prst="rect">
+            <a:avLst/>
+          </a:prstGeom>
+        </p:spPr>
+      </p:pic>
     </p:spTree>
     <p:extLst>
       <p:ext uri="{BB962C8B-B14F-4D97-AF65-F5344CB8AC3E}">
@@ -11662,6 +11926,126 @@
   <p:clrMapOvr>
     <a:masterClrMapping/>
   </p:clrMapOvr>
+  <p:timing>
+    <p:tnLst>
+      <p:par>
+        <p:cTn id="1" dur="indefinite" restart="never" nodeType="tmRoot">
+          <p:childTnLst>
+            <p:seq concurrent="1" nextAc="seek">
+              <p:cTn id="2" dur="indefinite" nodeType="mainSeq">
+                <p:childTnLst>
+                  <p:par>
+                    <p:cTn id="3" fill="hold">
+                      <p:stCondLst>
+                        <p:cond delay="indefinite"/>
+                      </p:stCondLst>
+                      <p:childTnLst>
+                        <p:par>
+                          <p:cTn id="4" fill="hold">
+                            <p:stCondLst>
+                              <p:cond delay="0"/>
+                            </p:stCondLst>
+                            <p:childTnLst>
+                              <p:par>
+                                <p:cTn id="5" presetID="1" presetClass="entr" presetSubtype="0" fill="hold" nodeType="clickEffect">
+                                  <p:stCondLst>
+                                    <p:cond delay="0"/>
+                                  </p:stCondLst>
+                                  <p:childTnLst>
+                                    <p:set>
+                                      <p:cBhvr>
+                                        <p:cTn id="6" dur="1" fill="hold">
+                                          <p:stCondLst>
+                                            <p:cond delay="0"/>
+                                          </p:stCondLst>
+                                        </p:cTn>
+                                        <p:tgtEl>
+                                          <p:spTgt spid="49"/>
+                                        </p:tgtEl>
+                                        <p:attrNameLst>
+                                          <p:attrName>style.visibility</p:attrName>
+                                        </p:attrNameLst>
+                                      </p:cBhvr>
+                                      <p:to>
+                                        <p:strVal val="visible"/>
+                                      </p:to>
+                                    </p:set>
+                                  </p:childTnLst>
+                                </p:cTn>
+                              </p:par>
+                            </p:childTnLst>
+                          </p:cTn>
+                        </p:par>
+                      </p:childTnLst>
+                    </p:cTn>
+                  </p:par>
+                  <p:par>
+                    <p:cTn id="7" fill="hold">
+                      <p:stCondLst>
+                        <p:cond delay="indefinite"/>
+                      </p:stCondLst>
+                      <p:childTnLst>
+                        <p:par>
+                          <p:cTn id="8" fill="hold">
+                            <p:stCondLst>
+                              <p:cond delay="0"/>
+                            </p:stCondLst>
+                            <p:childTnLst>
+                              <p:par>
+                                <p:cTn id="9" presetID="1" presetClass="entr" presetSubtype="0" fill="hold" nodeType="clickEffect">
+                                  <p:stCondLst>
+                                    <p:cond delay="0"/>
+                                  </p:stCondLst>
+                                  <p:childTnLst>
+                                    <p:set>
+                                      <p:cBhvr>
+                                        <p:cTn id="10" dur="1" fill="hold">
+                                          <p:stCondLst>
+                                            <p:cond delay="0"/>
+                                          </p:stCondLst>
+                                        </p:cTn>
+                                        <p:tgtEl>
+                                          <p:spTgt spid="55"/>
+                                        </p:tgtEl>
+                                        <p:attrNameLst>
+                                          <p:attrName>style.visibility</p:attrName>
+                                        </p:attrNameLst>
+                                      </p:cBhvr>
+                                      <p:to>
+                                        <p:strVal val="visible"/>
+                                      </p:to>
+                                    </p:set>
+                                  </p:childTnLst>
+                                </p:cTn>
+                              </p:par>
+                            </p:childTnLst>
+                          </p:cTn>
+                        </p:par>
+                      </p:childTnLst>
+                    </p:cTn>
+                  </p:par>
+                </p:childTnLst>
+              </p:cTn>
+              <p:prevCondLst>
+                <p:cond evt="onPrev" delay="0">
+                  <p:tgtEl>
+                    <p:sldTgt/>
+                  </p:tgtEl>
+                </p:cond>
+              </p:prevCondLst>
+              <p:nextCondLst>
+                <p:cond evt="onNext" delay="0">
+                  <p:tgtEl>
+                    <p:sldTgt/>
+                  </p:tgtEl>
+                </p:cond>
+              </p:nextCondLst>
+            </p:seq>
+          </p:childTnLst>
+        </p:cTn>
+      </p:par>
+    </p:tnLst>
+  </p:timing>
 </p:sld>
 </file>
 
